--- a/Daily Agendas/Day1.2 Data Analysis2.pptx
+++ b/Daily Agendas/Day1.2 Data Analysis2.pptx
@@ -244,7 +244,7 @@
           <a:p>
             <a:fld id="{DBFDDC6D-30E6-4591-A5D6-EBA4A0A375E4}" type="datetimeFigureOut">
               <a:rPr lang="en-US" smtClean="0"/>
-              <a:t>2/2/2020</a:t>
+              <a:t>2/3/2020</a:t>
             </a:fld>
             <a:endParaRPr lang="en-US"/>
           </a:p>
@@ -414,7 +414,7 @@
           <a:p>
             <a:fld id="{DBFDDC6D-30E6-4591-A5D6-EBA4A0A375E4}" type="datetimeFigureOut">
               <a:rPr lang="en-US" smtClean="0"/>
-              <a:t>2/2/2020</a:t>
+              <a:t>2/3/2020</a:t>
             </a:fld>
             <a:endParaRPr lang="en-US"/>
           </a:p>
@@ -594,7 +594,7 @@
           <a:p>
             <a:fld id="{DBFDDC6D-30E6-4591-A5D6-EBA4A0A375E4}" type="datetimeFigureOut">
               <a:rPr lang="en-US" smtClean="0"/>
-              <a:t>2/2/2020</a:t>
+              <a:t>2/3/2020</a:t>
             </a:fld>
             <a:endParaRPr lang="en-US"/>
           </a:p>
@@ -764,7 +764,7 @@
           <a:p>
             <a:fld id="{DBFDDC6D-30E6-4591-A5D6-EBA4A0A375E4}" type="datetimeFigureOut">
               <a:rPr lang="en-US" smtClean="0"/>
-              <a:t>2/2/2020</a:t>
+              <a:t>2/3/2020</a:t>
             </a:fld>
             <a:endParaRPr lang="en-US"/>
           </a:p>
@@ -1008,7 +1008,7 @@
           <a:p>
             <a:fld id="{DBFDDC6D-30E6-4591-A5D6-EBA4A0A375E4}" type="datetimeFigureOut">
               <a:rPr lang="en-US" smtClean="0"/>
-              <a:t>2/2/2020</a:t>
+              <a:t>2/3/2020</a:t>
             </a:fld>
             <a:endParaRPr lang="en-US"/>
           </a:p>
@@ -1240,7 +1240,7 @@
           <a:p>
             <a:fld id="{DBFDDC6D-30E6-4591-A5D6-EBA4A0A375E4}" type="datetimeFigureOut">
               <a:rPr lang="en-US" smtClean="0"/>
-              <a:t>2/2/2020</a:t>
+              <a:t>2/3/2020</a:t>
             </a:fld>
             <a:endParaRPr lang="en-US"/>
           </a:p>
@@ -1607,7 +1607,7 @@
           <a:p>
             <a:fld id="{DBFDDC6D-30E6-4591-A5D6-EBA4A0A375E4}" type="datetimeFigureOut">
               <a:rPr lang="en-US" smtClean="0"/>
-              <a:t>2/2/2020</a:t>
+              <a:t>2/3/2020</a:t>
             </a:fld>
             <a:endParaRPr lang="en-US"/>
           </a:p>
@@ -1725,7 +1725,7 @@
           <a:p>
             <a:fld id="{DBFDDC6D-30E6-4591-A5D6-EBA4A0A375E4}" type="datetimeFigureOut">
               <a:rPr lang="en-US" smtClean="0"/>
-              <a:t>2/2/2020</a:t>
+              <a:t>2/3/2020</a:t>
             </a:fld>
             <a:endParaRPr lang="en-US"/>
           </a:p>
@@ -1820,7 +1820,7 @@
           <a:p>
             <a:fld id="{DBFDDC6D-30E6-4591-A5D6-EBA4A0A375E4}" type="datetimeFigureOut">
               <a:rPr lang="en-US" smtClean="0"/>
-              <a:t>2/2/2020</a:t>
+              <a:t>2/3/2020</a:t>
             </a:fld>
             <a:endParaRPr lang="en-US"/>
           </a:p>
@@ -2097,7 +2097,7 @@
           <a:p>
             <a:fld id="{DBFDDC6D-30E6-4591-A5D6-EBA4A0A375E4}" type="datetimeFigureOut">
               <a:rPr lang="en-US" smtClean="0"/>
-              <a:t>2/2/2020</a:t>
+              <a:t>2/3/2020</a:t>
             </a:fld>
             <a:endParaRPr lang="en-US"/>
           </a:p>
@@ -2354,7 +2354,7 @@
           <a:p>
             <a:fld id="{DBFDDC6D-30E6-4591-A5D6-EBA4A0A375E4}" type="datetimeFigureOut">
               <a:rPr lang="en-US" smtClean="0"/>
-              <a:t>2/2/2020</a:t>
+              <a:t>2/3/2020</a:t>
             </a:fld>
             <a:endParaRPr lang="en-US"/>
           </a:p>
@@ -2567,7 +2567,7 @@
           <a:p>
             <a:fld id="{DBFDDC6D-30E6-4591-A5D6-EBA4A0A375E4}" type="datetimeFigureOut">
               <a:rPr lang="en-US" smtClean="0"/>
-              <a:t>2/2/2020</a:t>
+              <a:t>2/3/2020</a:t>
             </a:fld>
             <a:endParaRPr lang="en-US"/>
           </a:p>
@@ -3105,7 +3105,7 @@
         <p:spPr/>
         <p:txBody>
           <a:bodyPr>
-            <a:normAutofit/>
+            <a:normAutofit fontScale="85000" lnSpcReduction="20000"/>
           </a:bodyPr>
           <a:lstStyle/>
           <a:p>
@@ -3117,16 +3117,86 @@
           <a:p>
             <a:pPr lvl="1"/>
             <a:r>
+              <a:rPr lang="en-CA" dirty="0" smtClean="0"/>
+              <a:t>Unit Outline</a:t>
+            </a:r>
+          </a:p>
+          <a:p>
+            <a:pPr lvl="2"/>
+            <a:r>
+              <a:rPr lang="en-CA" dirty="0" smtClean="0"/>
+              <a:t>Dates &amp; Deliverables</a:t>
+            </a:r>
+          </a:p>
+          <a:p>
+            <a:pPr lvl="1"/>
+            <a:r>
+              <a:rPr lang="en-CA" dirty="0" smtClean="0"/>
+              <a:t>Unit </a:t>
+            </a:r>
+            <a:r>
               <a:rPr lang="en-CA" dirty="0"/>
-              <a:t>Data Analysis </a:t>
-            </a:r>
+              <a:t>Conversions, Sig-Digs, Propagation of Sig-Digs</a:t>
+            </a:r>
+            <a:r>
+              <a:rPr lang="en-CA" dirty="0" smtClean="0"/>
+              <a:t> </a:t>
+            </a:r>
+            <a:endParaRPr lang="en-CA" dirty="0"/>
           </a:p>
           <a:p>
             <a:pPr lvl="2"/>
             <a:r>
+              <a:rPr lang="en-CA" dirty="0" smtClean="0"/>
+              <a:t>Presentation</a:t>
+            </a:r>
+            <a:r>
               <a:rPr lang="en-CA" dirty="0"/>
-              <a:t>Presentation: Absolute &amp; Relative Uncertainty</a:t>
-            </a:r>
+              <a:t> </a:t>
+            </a:r>
+            <a:r>
+              <a:rPr lang="en-CA" dirty="0" smtClean="0"/>
+              <a:t>/ Note</a:t>
+            </a:r>
+            <a:endParaRPr lang="en-CA" dirty="0"/>
+          </a:p>
+          <a:p>
+            <a:pPr lvl="2"/>
+            <a:r>
+              <a:rPr lang="en-CA" dirty="0"/>
+              <a:t>Reference: Data Analysis Package (Topics 1-3)</a:t>
+            </a:r>
+          </a:p>
+          <a:p>
+            <a:pPr lvl="2"/>
+            <a:r>
+              <a:rPr lang="en-CA" dirty="0"/>
+              <a:t>Homework: Data Analysis Booklet (Questions 1-4)</a:t>
+            </a:r>
+          </a:p>
+          <a:p>
+            <a:pPr lvl="1"/>
+            <a:r>
+              <a:rPr lang="en-CA" dirty="0"/>
+              <a:t>Absolute &amp; Relative Uncertainty </a:t>
+            </a:r>
+            <a:endParaRPr lang="en-CA" dirty="0"/>
+          </a:p>
+          <a:p>
+            <a:pPr lvl="2"/>
+            <a:r>
+              <a:rPr lang="en-CA" dirty="0" smtClean="0"/>
+              <a:t>Presentation</a:t>
+            </a:r>
+            <a:r>
+              <a:rPr lang="en-CA" dirty="0"/>
+              <a:t> </a:t>
+            </a:r>
+            <a:r>
+              <a:rPr lang="en-CA" dirty="0" smtClean="0"/>
+              <a:t>/ Note</a:t>
+            </a:r>
+            <a:endParaRPr lang="en-CA" dirty="0"/>
           </a:p>
           <a:p>
             <a:pPr lvl="2"/>
@@ -3161,6 +3231,18 @@
             <a:r>
               <a:rPr lang="en-CA" dirty="0"/>
               <a:t>Great Physicist Blog – DUE: </a:t>
+            </a:r>
+            <a:r>
+              <a:rPr lang="en-CA" dirty="0" smtClean="0"/>
+              <a:t>Thursday, Feb 6</a:t>
+            </a:r>
+            <a:r>
+              <a:rPr lang="en-CA" baseline="30000" dirty="0" smtClean="0"/>
+              <a:t>th</a:t>
+            </a:r>
+            <a:r>
+              <a:rPr lang="en-CA" dirty="0" smtClean="0"/>
+              <a:t> </a:t>
             </a:r>
             <a:endParaRPr lang="en-US" dirty="0"/>
           </a:p>

--- a/Daily Agendas/Day1.2 Data Analysis2.pptx
+++ b/Daily Agendas/Day1.2 Data Analysis2.pptx
@@ -7,6 +7,7 @@
   <p:sldIdLst>
     <p:sldId id="256" r:id="rId2"/>
     <p:sldId id="257" r:id="rId3"/>
+    <p:sldId id="258" r:id="rId4"/>
   </p:sldIdLst>
   <p:sldSz cx="9144000" cy="6858000" type="screen4x3"/>
   <p:notesSz cx="6858000" cy="9144000"/>
@@ -244,7 +245,7 @@
           <a:p>
             <a:fld id="{DBFDDC6D-30E6-4591-A5D6-EBA4A0A375E4}" type="datetimeFigureOut">
               <a:rPr lang="en-US" smtClean="0"/>
-              <a:t>2/3/2020</a:t>
+              <a:t>2/4/2020</a:t>
             </a:fld>
             <a:endParaRPr lang="en-US"/>
           </a:p>
@@ -414,7 +415,7 @@
           <a:p>
             <a:fld id="{DBFDDC6D-30E6-4591-A5D6-EBA4A0A375E4}" type="datetimeFigureOut">
               <a:rPr lang="en-US" smtClean="0"/>
-              <a:t>2/3/2020</a:t>
+              <a:t>2/4/2020</a:t>
             </a:fld>
             <a:endParaRPr lang="en-US"/>
           </a:p>
@@ -594,7 +595,7 @@
           <a:p>
             <a:fld id="{DBFDDC6D-30E6-4591-A5D6-EBA4A0A375E4}" type="datetimeFigureOut">
               <a:rPr lang="en-US" smtClean="0"/>
-              <a:t>2/3/2020</a:t>
+              <a:t>2/4/2020</a:t>
             </a:fld>
             <a:endParaRPr lang="en-US"/>
           </a:p>
@@ -764,7 +765,7 @@
           <a:p>
             <a:fld id="{DBFDDC6D-30E6-4591-A5D6-EBA4A0A375E4}" type="datetimeFigureOut">
               <a:rPr lang="en-US" smtClean="0"/>
-              <a:t>2/3/2020</a:t>
+              <a:t>2/4/2020</a:t>
             </a:fld>
             <a:endParaRPr lang="en-US"/>
           </a:p>
@@ -1008,7 +1009,7 @@
           <a:p>
             <a:fld id="{DBFDDC6D-30E6-4591-A5D6-EBA4A0A375E4}" type="datetimeFigureOut">
               <a:rPr lang="en-US" smtClean="0"/>
-              <a:t>2/3/2020</a:t>
+              <a:t>2/4/2020</a:t>
             </a:fld>
             <a:endParaRPr lang="en-US"/>
           </a:p>
@@ -1240,7 +1241,7 @@
           <a:p>
             <a:fld id="{DBFDDC6D-30E6-4591-A5D6-EBA4A0A375E4}" type="datetimeFigureOut">
               <a:rPr lang="en-US" smtClean="0"/>
-              <a:t>2/3/2020</a:t>
+              <a:t>2/4/2020</a:t>
             </a:fld>
             <a:endParaRPr lang="en-US"/>
           </a:p>
@@ -1607,7 +1608,7 @@
           <a:p>
             <a:fld id="{DBFDDC6D-30E6-4591-A5D6-EBA4A0A375E4}" type="datetimeFigureOut">
               <a:rPr lang="en-US" smtClean="0"/>
-              <a:t>2/3/2020</a:t>
+              <a:t>2/4/2020</a:t>
             </a:fld>
             <a:endParaRPr lang="en-US"/>
           </a:p>
@@ -1725,7 +1726,7 @@
           <a:p>
             <a:fld id="{DBFDDC6D-30E6-4591-A5D6-EBA4A0A375E4}" type="datetimeFigureOut">
               <a:rPr lang="en-US" smtClean="0"/>
-              <a:t>2/3/2020</a:t>
+              <a:t>2/4/2020</a:t>
             </a:fld>
             <a:endParaRPr lang="en-US"/>
           </a:p>
@@ -1820,7 +1821,7 @@
           <a:p>
             <a:fld id="{DBFDDC6D-30E6-4591-A5D6-EBA4A0A375E4}" type="datetimeFigureOut">
               <a:rPr lang="en-US" smtClean="0"/>
-              <a:t>2/3/2020</a:t>
+              <a:t>2/4/2020</a:t>
             </a:fld>
             <a:endParaRPr lang="en-US"/>
           </a:p>
@@ -2097,7 +2098,7 @@
           <a:p>
             <a:fld id="{DBFDDC6D-30E6-4591-A5D6-EBA4A0A375E4}" type="datetimeFigureOut">
               <a:rPr lang="en-US" smtClean="0"/>
-              <a:t>2/3/2020</a:t>
+              <a:t>2/4/2020</a:t>
             </a:fld>
             <a:endParaRPr lang="en-US"/>
           </a:p>
@@ -2354,7 +2355,7 @@
           <a:p>
             <a:fld id="{DBFDDC6D-30E6-4591-A5D6-EBA4A0A375E4}" type="datetimeFigureOut">
               <a:rPr lang="en-US" smtClean="0"/>
-              <a:t>2/3/2020</a:t>
+              <a:t>2/4/2020</a:t>
             </a:fld>
             <a:endParaRPr lang="en-US"/>
           </a:p>
@@ -2567,7 +2568,7 @@
           <a:p>
             <a:fld id="{DBFDDC6D-30E6-4591-A5D6-EBA4A0A375E4}" type="datetimeFigureOut">
               <a:rPr lang="en-US" smtClean="0"/>
-              <a:t>2/3/2020</a:t>
+              <a:t>2/4/2020</a:t>
             </a:fld>
             <a:endParaRPr lang="en-US"/>
           </a:p>
@@ -3105,7 +3106,7 @@
         <p:spPr/>
         <p:txBody>
           <a:bodyPr>
-            <a:normAutofit fontScale="85000" lnSpcReduction="20000"/>
+            <a:normAutofit fontScale="77500" lnSpcReduction="20000"/>
           </a:bodyPr>
           <a:lstStyle/>
           <a:p>
@@ -3125,8 +3126,17 @@
             <a:pPr lvl="2"/>
             <a:r>
               <a:rPr lang="en-CA" dirty="0" smtClean="0"/>
-              <a:t>Dates &amp; Deliverables</a:t>
-            </a:r>
+              <a:t>Will Be Provided on Thursday, Feb 6</a:t>
+            </a:r>
+            <a:r>
+              <a:rPr lang="en-CA" baseline="30000" dirty="0" smtClean="0"/>
+              <a:t>th</a:t>
+            </a:r>
+            <a:r>
+              <a:rPr lang="en-CA" dirty="0" smtClean="0"/>
+              <a:t> </a:t>
+            </a:r>
+            <a:endParaRPr lang="en-CA" dirty="0" smtClean="0"/>
           </a:p>
           <a:p>
             <a:pPr lvl="1"/>
@@ -3180,7 +3190,6 @@
               <a:rPr lang="en-CA" dirty="0"/>
               <a:t>Absolute &amp; Relative Uncertainty </a:t>
             </a:r>
-            <a:endParaRPr lang="en-CA" dirty="0"/>
           </a:p>
           <a:p>
             <a:pPr lvl="2"/>
@@ -3229,8 +3238,19 @@
           <a:p>
             <a:pPr lvl="1"/>
             <a:r>
+              <a:rPr lang="en-CA" dirty="0" smtClean="0"/>
+              <a:t>Tomorrow: Exam Review Day</a:t>
+            </a:r>
+          </a:p>
+          <a:p>
+            <a:pPr lvl="1"/>
+            <a:r>
+              <a:rPr lang="en-CA" dirty="0" smtClean="0"/>
+              <a:t>Great </a:t>
+            </a:r>
+            <a:r>
               <a:rPr lang="en-CA" dirty="0"/>
-              <a:t>Great Physicist Blog – DUE: </a:t>
+              <a:t>Physicist Blog – DUE: </a:t>
             </a:r>
             <a:r>
               <a:rPr lang="en-CA" dirty="0" smtClean="0"/>
@@ -3252,6 +3272,135 @@
     <p:extLst>
       <p:ext uri="{BB962C8B-B14F-4D97-AF65-F5344CB8AC3E}">
         <p14:creationId xmlns:p14="http://schemas.microsoft.com/office/powerpoint/2010/main" val="1209346082"/>
+      </p:ext>
+    </p:extLst>
+  </p:cSld>
+  <p:clrMapOvr>
+    <a:masterClrMapping/>
+  </p:clrMapOvr>
+</p:sld>
+</file>
+
+<file path=ppt/slides/slide3.xml><?xml version="1.0" encoding="utf-8"?>
+<p:sld xmlns:a="http://schemas.openxmlformats.org/drawingml/2006/main" xmlns:r="http://schemas.openxmlformats.org/officeDocument/2006/relationships" xmlns:p="http://schemas.openxmlformats.org/presentationml/2006/main">
+  <p:cSld>
+    <p:spTree>
+      <p:nvGrpSpPr>
+        <p:cNvPr id="1" name=""/>
+        <p:cNvGrpSpPr/>
+        <p:nvPr/>
+      </p:nvGrpSpPr>
+      <p:grpSpPr>
+        <a:xfrm>
+          <a:off x="0" y="0"/>
+          <a:ext cx="0" cy="0"/>
+          <a:chOff x="0" y="0"/>
+          <a:chExt cx="0" cy="0"/>
+        </a:xfrm>
+      </p:grpSpPr>
+      <p:sp>
+        <p:nvSpPr>
+          <p:cNvPr id="2" name="Title 1"/>
+          <p:cNvSpPr>
+            <a:spLocks noGrp="1"/>
+          </p:cNvSpPr>
+          <p:nvPr>
+            <p:ph type="title"/>
+          </p:nvPr>
+        </p:nvSpPr>
+        <p:spPr/>
+        <p:txBody>
+          <a:bodyPr/>
+          <a:lstStyle/>
+          <a:p>
+            <a:r>
+              <a:rPr lang="en-CA" dirty="0" smtClean="0"/>
+              <a:t>Tomorrow, Wed Feb 5</a:t>
+            </a:r>
+            <a:endParaRPr lang="en-US" dirty="0"/>
+          </a:p>
+        </p:txBody>
+      </p:sp>
+      <p:sp>
+        <p:nvSpPr>
+          <p:cNvPr id="3" name="Content Placeholder 2"/>
+          <p:cNvSpPr>
+            <a:spLocks noGrp="1"/>
+          </p:cNvSpPr>
+          <p:nvPr>
+            <p:ph idx="1"/>
+          </p:nvPr>
+        </p:nvSpPr>
+        <p:spPr/>
+        <p:txBody>
+          <a:bodyPr/>
+          <a:lstStyle/>
+          <a:p>
+            <a:r>
+              <a:rPr lang="en-CA" dirty="0" smtClean="0"/>
+              <a:t>Exam Review: 9:00 -11:16</a:t>
+            </a:r>
+          </a:p>
+          <a:p>
+            <a:pPr lvl="1"/>
+            <a:r>
+              <a:rPr lang="en-CA" dirty="0" smtClean="0"/>
+              <a:t>Visit your Semester 1 Teachers </a:t>
+            </a:r>
+          </a:p>
+          <a:p>
+            <a:pPr lvl="1"/>
+            <a:endParaRPr lang="en-CA" dirty="0"/>
+          </a:p>
+          <a:p>
+            <a:r>
+              <a:rPr lang="en-CA" dirty="0" smtClean="0"/>
+              <a:t>Lunch:	11:16 – 12:34</a:t>
+            </a:r>
+          </a:p>
+          <a:p>
+            <a:r>
+              <a:rPr lang="en-CA" dirty="0" smtClean="0"/>
+              <a:t>Period 1:	12:37 – 1:13</a:t>
+            </a:r>
+          </a:p>
+          <a:p>
+            <a:r>
+              <a:rPr lang="en-CA" dirty="0"/>
+              <a:t>Period </a:t>
+            </a:r>
+            <a:r>
+              <a:rPr lang="en-CA" dirty="0" smtClean="0"/>
+              <a:t>2:	1:16 – 1:52</a:t>
+            </a:r>
+          </a:p>
+          <a:p>
+            <a:r>
+              <a:rPr lang="en-CA" dirty="0"/>
+              <a:t>Period </a:t>
+            </a:r>
+            <a:r>
+              <a:rPr lang="en-CA" dirty="0" smtClean="0"/>
+              <a:t>3:	1:55 – 2:31</a:t>
+            </a:r>
+          </a:p>
+          <a:p>
+            <a:r>
+              <a:rPr lang="en-CA" dirty="0"/>
+              <a:t>Period </a:t>
+            </a:r>
+            <a:r>
+              <a:rPr lang="en-CA" dirty="0" smtClean="0"/>
+              <a:t>4:	2:34 – 3:10</a:t>
+            </a:r>
+            <a:endParaRPr lang="en-US" dirty="0"/>
+          </a:p>
+        </p:txBody>
+      </p:sp>
+    </p:spTree>
+    <p:extLst>
+      <p:ext uri="{BB962C8B-B14F-4D97-AF65-F5344CB8AC3E}">
+        <p14:creationId xmlns:p14="http://schemas.microsoft.com/office/powerpoint/2010/main" val="4031408161"/>
       </p:ext>
     </p:extLst>
   </p:cSld>
